--- a/Presentation.pptx
+++ b/Presentation.pptx
@@ -3645,9 +3645,15 @@
             </a:r>
             <a:r>
               <a:rPr lang="en-AU" altLang="en-US">
-                <a:hlinkClick r:id="rId1" action="ppaction://hlinkfile"/>
+                <a:hlinkClick r:id="rId1" tooltip="" action="ppaction://hlinkfile"/>
               </a:rPr>
-              <a:t>https://github.com/bibinphilip/he-air-pollution/</a:t>
+              <a:t>https://github.com/bibinphilip/hackerearth_open_innovation</a:t>
+            </a:r>
+            <a:r>
+              <a:rPr lang="en-AU" altLang="en-US">
+                <a:hlinkClick r:id="rId1" tooltip="" action="ppaction://hlinkfile"/>
+              </a:rPr>
+              <a:t>/</a:t>
             </a:r>
             <a:endParaRPr lang="en-AU" altLang="en-US"/>
           </a:p>
